--- a/ppt 16-9/1503.耶和华我的神.pptx
+++ b/ppt 16-9/1503.耶和华我的神.pptx
@@ -129,7 +129,7 @@
           <p:cNvPr id="2" name="标题 1">
             <a:extLst>
               <a:ext uri="{FF2B5EF4-FFF2-40B4-BE49-F238E27FC236}">
-                <a16:creationId xmlns:a16="http://schemas.microsoft.com/office/drawing/2014/main" id="{51CD7537-7C14-FFCA-F897-3D90ED1F4DF1}"/>
+                <a16:creationId xmlns:a16="http://schemas.microsoft.com/office/drawing/2014/main" id="{4D17C747-A891-ACE0-5C1F-A10F29D09295}"/>
               </a:ext>
             </a:extLst>
           </p:cNvPr>
@@ -166,7 +166,7 @@
           <p:cNvPr id="3" name="副标题 2">
             <a:extLst>
               <a:ext uri="{FF2B5EF4-FFF2-40B4-BE49-F238E27FC236}">
-                <a16:creationId xmlns:a16="http://schemas.microsoft.com/office/drawing/2014/main" id="{9BCC136D-A30D-D6E2-5262-5E0703015438}"/>
+                <a16:creationId xmlns:a16="http://schemas.microsoft.com/office/drawing/2014/main" id="{58149313-50E4-8FFE-75C5-13AE7BC09BD5}"/>
               </a:ext>
             </a:extLst>
           </p:cNvPr>
@@ -236,7 +236,7 @@
           <p:cNvPr id="4" name="日期占位符 3">
             <a:extLst>
               <a:ext uri="{FF2B5EF4-FFF2-40B4-BE49-F238E27FC236}">
-                <a16:creationId xmlns:a16="http://schemas.microsoft.com/office/drawing/2014/main" id="{CECD3C02-A8F8-2A36-66E2-BE672D56B90E}"/>
+                <a16:creationId xmlns:a16="http://schemas.microsoft.com/office/drawing/2014/main" id="{C9CA63AF-4A6D-3ED0-9443-59E93C5D64D9}"/>
               </a:ext>
             </a:extLst>
           </p:cNvPr>
@@ -252,7 +252,7 @@
           <a:bodyPr/>
           <a:lstStyle/>
           <a:p>
-            <a:fld id="{A427A7A7-2262-4445-BB22-9CAA42F4506E}" type="datetimeFigureOut">
+            <a:fld id="{E8A70A5D-2F79-4C6F-B053-B5D598ACC42D}" type="datetimeFigureOut">
               <a:rPr lang="zh-CN" altLang="en-US" smtClean="0"/>
               <a:t>2024/3/10</a:t>
             </a:fld>
@@ -265,7 +265,7 @@
           <p:cNvPr id="5" name="页脚占位符 4">
             <a:extLst>
               <a:ext uri="{FF2B5EF4-FFF2-40B4-BE49-F238E27FC236}">
-                <a16:creationId xmlns:a16="http://schemas.microsoft.com/office/drawing/2014/main" id="{FCB4B107-14D9-50E1-B6AD-207422C194CB}"/>
+                <a16:creationId xmlns:a16="http://schemas.microsoft.com/office/drawing/2014/main" id="{452803C9-2386-0392-1381-115CFF402D65}"/>
               </a:ext>
             </a:extLst>
           </p:cNvPr>
@@ -290,7 +290,7 @@
           <p:cNvPr id="6" name="灯片编号占位符 5">
             <a:extLst>
               <a:ext uri="{FF2B5EF4-FFF2-40B4-BE49-F238E27FC236}">
-                <a16:creationId xmlns:a16="http://schemas.microsoft.com/office/drawing/2014/main" id="{AE20CA7A-B7A0-55F7-8316-F0C2EAD19519}"/>
+                <a16:creationId xmlns:a16="http://schemas.microsoft.com/office/drawing/2014/main" id="{6BF1DEBF-873F-EFC5-8CC1-C91E9666D361}"/>
               </a:ext>
             </a:extLst>
           </p:cNvPr>
@@ -306,7 +306,7 @@
           <a:bodyPr/>
           <a:lstStyle/>
           <a:p>
-            <a:fld id="{1B003BD6-45D4-4D1C-B2D2-47760F84C44C}" type="slidenum">
+            <a:fld id="{F66C5455-07C7-470D-AE73-C61348492155}" type="slidenum">
               <a:rPr lang="zh-CN" altLang="en-US" smtClean="0"/>
               <a:t>‹#›</a:t>
             </a:fld>
@@ -317,7 +317,7 @@
     </p:spTree>
     <p:extLst>
       <p:ext uri="{BB962C8B-B14F-4D97-AF65-F5344CB8AC3E}">
-        <p14:creationId xmlns:p14="http://schemas.microsoft.com/office/powerpoint/2010/main" val="2245955489"/>
+        <p14:creationId xmlns:p14="http://schemas.microsoft.com/office/powerpoint/2010/main" val="865877056"/>
       </p:ext>
     </p:extLst>
   </p:cSld>
@@ -349,7 +349,7 @@
           <p:cNvPr id="2" name="标题 1">
             <a:extLst>
               <a:ext uri="{FF2B5EF4-FFF2-40B4-BE49-F238E27FC236}">
-                <a16:creationId xmlns:a16="http://schemas.microsoft.com/office/drawing/2014/main" id="{7E010C47-6C68-D1B7-DF65-897F6E842739}"/>
+                <a16:creationId xmlns:a16="http://schemas.microsoft.com/office/drawing/2014/main" id="{99ED254A-3E07-6C6A-BC0C-1D010594B103}"/>
               </a:ext>
             </a:extLst>
           </p:cNvPr>
@@ -377,7 +377,7 @@
           <p:cNvPr id="3" name="竖排文字占位符 2">
             <a:extLst>
               <a:ext uri="{FF2B5EF4-FFF2-40B4-BE49-F238E27FC236}">
-                <a16:creationId xmlns:a16="http://schemas.microsoft.com/office/drawing/2014/main" id="{E022438E-922B-39EA-80F9-EA5A13B0EEFD}"/>
+                <a16:creationId xmlns:a16="http://schemas.microsoft.com/office/drawing/2014/main" id="{4A6924DE-DC41-6AB3-F1C1-63694A203E21}"/>
               </a:ext>
             </a:extLst>
           </p:cNvPr>
@@ -434,7 +434,7 @@
           <p:cNvPr id="4" name="日期占位符 3">
             <a:extLst>
               <a:ext uri="{FF2B5EF4-FFF2-40B4-BE49-F238E27FC236}">
-                <a16:creationId xmlns:a16="http://schemas.microsoft.com/office/drawing/2014/main" id="{1064DB9C-45CB-B00E-5AB5-C7C7B1AF980D}"/>
+                <a16:creationId xmlns:a16="http://schemas.microsoft.com/office/drawing/2014/main" id="{0D941AAF-DDB9-E526-0617-CD1D43D6E615}"/>
               </a:ext>
             </a:extLst>
           </p:cNvPr>
@@ -450,7 +450,7 @@
           <a:bodyPr/>
           <a:lstStyle/>
           <a:p>
-            <a:fld id="{A427A7A7-2262-4445-BB22-9CAA42F4506E}" type="datetimeFigureOut">
+            <a:fld id="{E8A70A5D-2F79-4C6F-B053-B5D598ACC42D}" type="datetimeFigureOut">
               <a:rPr lang="zh-CN" altLang="en-US" smtClean="0"/>
               <a:t>2024/3/10</a:t>
             </a:fld>
@@ -463,7 +463,7 @@
           <p:cNvPr id="5" name="页脚占位符 4">
             <a:extLst>
               <a:ext uri="{FF2B5EF4-FFF2-40B4-BE49-F238E27FC236}">
-                <a16:creationId xmlns:a16="http://schemas.microsoft.com/office/drawing/2014/main" id="{DD102FDB-A246-5EFC-98AD-A24FB00D386F}"/>
+                <a16:creationId xmlns:a16="http://schemas.microsoft.com/office/drawing/2014/main" id="{99606B29-037C-2215-A967-8C557DD0BCC8}"/>
               </a:ext>
             </a:extLst>
           </p:cNvPr>
@@ -488,7 +488,7 @@
           <p:cNvPr id="6" name="灯片编号占位符 5">
             <a:extLst>
               <a:ext uri="{FF2B5EF4-FFF2-40B4-BE49-F238E27FC236}">
-                <a16:creationId xmlns:a16="http://schemas.microsoft.com/office/drawing/2014/main" id="{6639CB5D-A1FD-C154-AF96-1165362DDE3B}"/>
+                <a16:creationId xmlns:a16="http://schemas.microsoft.com/office/drawing/2014/main" id="{58D3DF1C-4EE9-9058-78B8-2F2E7D1771BF}"/>
               </a:ext>
             </a:extLst>
           </p:cNvPr>
@@ -504,7 +504,7 @@
           <a:bodyPr/>
           <a:lstStyle/>
           <a:p>
-            <a:fld id="{1B003BD6-45D4-4D1C-B2D2-47760F84C44C}" type="slidenum">
+            <a:fld id="{F66C5455-07C7-470D-AE73-C61348492155}" type="slidenum">
               <a:rPr lang="zh-CN" altLang="en-US" smtClean="0"/>
               <a:t>‹#›</a:t>
             </a:fld>
@@ -515,7 +515,7 @@
     </p:spTree>
     <p:extLst>
       <p:ext uri="{BB962C8B-B14F-4D97-AF65-F5344CB8AC3E}">
-        <p14:creationId xmlns:p14="http://schemas.microsoft.com/office/powerpoint/2010/main" val="849052262"/>
+        <p14:creationId xmlns:p14="http://schemas.microsoft.com/office/powerpoint/2010/main" val="2369821702"/>
       </p:ext>
     </p:extLst>
   </p:cSld>
@@ -547,7 +547,7 @@
           <p:cNvPr id="2" name="竖排标题 1">
             <a:extLst>
               <a:ext uri="{FF2B5EF4-FFF2-40B4-BE49-F238E27FC236}">
-                <a16:creationId xmlns:a16="http://schemas.microsoft.com/office/drawing/2014/main" id="{24EFC8CC-96BE-54FA-F0B9-99DB1FF44F3D}"/>
+                <a16:creationId xmlns:a16="http://schemas.microsoft.com/office/drawing/2014/main" id="{842C5800-25EE-26E5-BD0E-CE77801D6F15}"/>
               </a:ext>
             </a:extLst>
           </p:cNvPr>
@@ -580,7 +580,7 @@
           <p:cNvPr id="3" name="竖排文字占位符 2">
             <a:extLst>
               <a:ext uri="{FF2B5EF4-FFF2-40B4-BE49-F238E27FC236}">
-                <a16:creationId xmlns:a16="http://schemas.microsoft.com/office/drawing/2014/main" id="{6BDBA157-B9E8-F882-A969-8C0D5A2E635F}"/>
+                <a16:creationId xmlns:a16="http://schemas.microsoft.com/office/drawing/2014/main" id="{566336AC-63C4-41AC-2661-E2CD6F44B864}"/>
               </a:ext>
             </a:extLst>
           </p:cNvPr>
@@ -642,7 +642,7 @@
           <p:cNvPr id="4" name="日期占位符 3">
             <a:extLst>
               <a:ext uri="{FF2B5EF4-FFF2-40B4-BE49-F238E27FC236}">
-                <a16:creationId xmlns:a16="http://schemas.microsoft.com/office/drawing/2014/main" id="{31E38EC4-2421-57F8-5790-03895521997D}"/>
+                <a16:creationId xmlns:a16="http://schemas.microsoft.com/office/drawing/2014/main" id="{68DAFCB3-C2F5-2B4E-2FDD-0D076F8827F0}"/>
               </a:ext>
             </a:extLst>
           </p:cNvPr>
@@ -658,7 +658,7 @@
           <a:bodyPr/>
           <a:lstStyle/>
           <a:p>
-            <a:fld id="{A427A7A7-2262-4445-BB22-9CAA42F4506E}" type="datetimeFigureOut">
+            <a:fld id="{E8A70A5D-2F79-4C6F-B053-B5D598ACC42D}" type="datetimeFigureOut">
               <a:rPr lang="zh-CN" altLang="en-US" smtClean="0"/>
               <a:t>2024/3/10</a:t>
             </a:fld>
@@ -671,7 +671,7 @@
           <p:cNvPr id="5" name="页脚占位符 4">
             <a:extLst>
               <a:ext uri="{FF2B5EF4-FFF2-40B4-BE49-F238E27FC236}">
-                <a16:creationId xmlns:a16="http://schemas.microsoft.com/office/drawing/2014/main" id="{304D276E-E646-2AF1-A0BA-8BEADB07046D}"/>
+                <a16:creationId xmlns:a16="http://schemas.microsoft.com/office/drawing/2014/main" id="{D9519822-B915-9B7E-CF37-C6C639FD2109}"/>
               </a:ext>
             </a:extLst>
           </p:cNvPr>
@@ -696,7 +696,7 @@
           <p:cNvPr id="6" name="灯片编号占位符 5">
             <a:extLst>
               <a:ext uri="{FF2B5EF4-FFF2-40B4-BE49-F238E27FC236}">
-                <a16:creationId xmlns:a16="http://schemas.microsoft.com/office/drawing/2014/main" id="{6E34F41B-4564-2DFA-F3AD-F16FD820B39F}"/>
+                <a16:creationId xmlns:a16="http://schemas.microsoft.com/office/drawing/2014/main" id="{FFECD056-1DBB-4ECD-3695-E77C5FEBE57F}"/>
               </a:ext>
             </a:extLst>
           </p:cNvPr>
@@ -712,7 +712,7 @@
           <a:bodyPr/>
           <a:lstStyle/>
           <a:p>
-            <a:fld id="{1B003BD6-45D4-4D1C-B2D2-47760F84C44C}" type="slidenum">
+            <a:fld id="{F66C5455-07C7-470D-AE73-C61348492155}" type="slidenum">
               <a:rPr lang="zh-CN" altLang="en-US" smtClean="0"/>
               <a:t>‹#›</a:t>
             </a:fld>
@@ -723,7 +723,7 @@
     </p:spTree>
     <p:extLst>
       <p:ext uri="{BB962C8B-B14F-4D97-AF65-F5344CB8AC3E}">
-        <p14:creationId xmlns:p14="http://schemas.microsoft.com/office/powerpoint/2010/main" val="2658819462"/>
+        <p14:creationId xmlns:p14="http://schemas.microsoft.com/office/powerpoint/2010/main" val="3077175942"/>
       </p:ext>
     </p:extLst>
   </p:cSld>
@@ -755,7 +755,7 @@
           <p:cNvPr id="2" name="标题 1">
             <a:extLst>
               <a:ext uri="{FF2B5EF4-FFF2-40B4-BE49-F238E27FC236}">
-                <a16:creationId xmlns:a16="http://schemas.microsoft.com/office/drawing/2014/main" id="{82C03AB0-4043-E366-03CE-3309DC32C5EB}"/>
+                <a16:creationId xmlns:a16="http://schemas.microsoft.com/office/drawing/2014/main" id="{8EC99EF9-E184-3BC1-C639-5AC31E3608EE}"/>
               </a:ext>
             </a:extLst>
           </p:cNvPr>
@@ -783,7 +783,7 @@
           <p:cNvPr id="3" name="内容占位符 2">
             <a:extLst>
               <a:ext uri="{FF2B5EF4-FFF2-40B4-BE49-F238E27FC236}">
-                <a16:creationId xmlns:a16="http://schemas.microsoft.com/office/drawing/2014/main" id="{D7C13C96-6BDA-19C4-56F4-E3136E4CCBAA}"/>
+                <a16:creationId xmlns:a16="http://schemas.microsoft.com/office/drawing/2014/main" id="{1C4ADBA5-54A1-B038-4026-DA58DB471A5D}"/>
               </a:ext>
             </a:extLst>
           </p:cNvPr>
@@ -840,7 +840,7 @@
           <p:cNvPr id="4" name="日期占位符 3">
             <a:extLst>
               <a:ext uri="{FF2B5EF4-FFF2-40B4-BE49-F238E27FC236}">
-                <a16:creationId xmlns:a16="http://schemas.microsoft.com/office/drawing/2014/main" id="{6208C909-F2E9-AAF9-90C9-CA9154100ECA}"/>
+                <a16:creationId xmlns:a16="http://schemas.microsoft.com/office/drawing/2014/main" id="{B9A2418D-0AA1-24A6-A532-A796EEAD99FF}"/>
               </a:ext>
             </a:extLst>
           </p:cNvPr>
@@ -856,7 +856,7 @@
           <a:bodyPr/>
           <a:lstStyle/>
           <a:p>
-            <a:fld id="{A427A7A7-2262-4445-BB22-9CAA42F4506E}" type="datetimeFigureOut">
+            <a:fld id="{E8A70A5D-2F79-4C6F-B053-B5D598ACC42D}" type="datetimeFigureOut">
               <a:rPr lang="zh-CN" altLang="en-US" smtClean="0"/>
               <a:t>2024/3/10</a:t>
             </a:fld>
@@ -869,7 +869,7 @@
           <p:cNvPr id="5" name="页脚占位符 4">
             <a:extLst>
               <a:ext uri="{FF2B5EF4-FFF2-40B4-BE49-F238E27FC236}">
-                <a16:creationId xmlns:a16="http://schemas.microsoft.com/office/drawing/2014/main" id="{F893B08E-7ADA-F2A0-A0B6-CB5BA8600FB3}"/>
+                <a16:creationId xmlns:a16="http://schemas.microsoft.com/office/drawing/2014/main" id="{4015F82D-A96C-4A57-8759-012C7220C0A4}"/>
               </a:ext>
             </a:extLst>
           </p:cNvPr>
@@ -894,7 +894,7 @@
           <p:cNvPr id="6" name="灯片编号占位符 5">
             <a:extLst>
               <a:ext uri="{FF2B5EF4-FFF2-40B4-BE49-F238E27FC236}">
-                <a16:creationId xmlns:a16="http://schemas.microsoft.com/office/drawing/2014/main" id="{3970F9A2-679B-CEF9-E285-477C3D0125CC}"/>
+                <a16:creationId xmlns:a16="http://schemas.microsoft.com/office/drawing/2014/main" id="{1D289F08-06AE-9470-F550-D5F8474BABB1}"/>
               </a:ext>
             </a:extLst>
           </p:cNvPr>
@@ -910,7 +910,7 @@
           <a:bodyPr/>
           <a:lstStyle/>
           <a:p>
-            <a:fld id="{1B003BD6-45D4-4D1C-B2D2-47760F84C44C}" type="slidenum">
+            <a:fld id="{F66C5455-07C7-470D-AE73-C61348492155}" type="slidenum">
               <a:rPr lang="zh-CN" altLang="en-US" smtClean="0"/>
               <a:t>‹#›</a:t>
             </a:fld>
@@ -921,7 +921,7 @@
     </p:spTree>
     <p:extLst>
       <p:ext uri="{BB962C8B-B14F-4D97-AF65-F5344CB8AC3E}">
-        <p14:creationId xmlns:p14="http://schemas.microsoft.com/office/powerpoint/2010/main" val="2135046023"/>
+        <p14:creationId xmlns:p14="http://schemas.microsoft.com/office/powerpoint/2010/main" val="1518896631"/>
       </p:ext>
     </p:extLst>
   </p:cSld>
@@ -953,7 +953,7 @@
           <p:cNvPr id="2" name="标题 1">
             <a:extLst>
               <a:ext uri="{FF2B5EF4-FFF2-40B4-BE49-F238E27FC236}">
-                <a16:creationId xmlns:a16="http://schemas.microsoft.com/office/drawing/2014/main" id="{C656781C-A9FC-E9D6-A61D-9E872B4A51FC}"/>
+                <a16:creationId xmlns:a16="http://schemas.microsoft.com/office/drawing/2014/main" id="{2C88B668-AC25-9BE7-3A35-98951D548E0F}"/>
               </a:ext>
             </a:extLst>
           </p:cNvPr>
@@ -990,7 +990,7 @@
           <p:cNvPr id="3" name="文本占位符 2">
             <a:extLst>
               <a:ext uri="{FF2B5EF4-FFF2-40B4-BE49-F238E27FC236}">
-                <a16:creationId xmlns:a16="http://schemas.microsoft.com/office/drawing/2014/main" id="{D02F91F4-525E-86B0-2B1B-4F4F9EFFA06A}"/>
+                <a16:creationId xmlns:a16="http://schemas.microsoft.com/office/drawing/2014/main" id="{593A610C-8104-352D-0EC3-36CCF62C6604}"/>
               </a:ext>
             </a:extLst>
           </p:cNvPr>
@@ -1115,7 +1115,7 @@
           <p:cNvPr id="4" name="日期占位符 3">
             <a:extLst>
               <a:ext uri="{FF2B5EF4-FFF2-40B4-BE49-F238E27FC236}">
-                <a16:creationId xmlns:a16="http://schemas.microsoft.com/office/drawing/2014/main" id="{3951C5AC-FED2-F803-FF85-49E07E4F3157}"/>
+                <a16:creationId xmlns:a16="http://schemas.microsoft.com/office/drawing/2014/main" id="{B1007F96-BE46-0B37-3493-ADD8BC160230}"/>
               </a:ext>
             </a:extLst>
           </p:cNvPr>
@@ -1131,7 +1131,7 @@
           <a:bodyPr/>
           <a:lstStyle/>
           <a:p>
-            <a:fld id="{A427A7A7-2262-4445-BB22-9CAA42F4506E}" type="datetimeFigureOut">
+            <a:fld id="{E8A70A5D-2F79-4C6F-B053-B5D598ACC42D}" type="datetimeFigureOut">
               <a:rPr lang="zh-CN" altLang="en-US" smtClean="0"/>
               <a:t>2024/3/10</a:t>
             </a:fld>
@@ -1144,7 +1144,7 @@
           <p:cNvPr id="5" name="页脚占位符 4">
             <a:extLst>
               <a:ext uri="{FF2B5EF4-FFF2-40B4-BE49-F238E27FC236}">
-                <a16:creationId xmlns:a16="http://schemas.microsoft.com/office/drawing/2014/main" id="{E24C6134-97DD-A10D-EAB7-D79A4CC83F75}"/>
+                <a16:creationId xmlns:a16="http://schemas.microsoft.com/office/drawing/2014/main" id="{E60A9E5F-12F7-BE38-87A4-5AC49B8A7D6D}"/>
               </a:ext>
             </a:extLst>
           </p:cNvPr>
@@ -1169,7 +1169,7 @@
           <p:cNvPr id="6" name="灯片编号占位符 5">
             <a:extLst>
               <a:ext uri="{FF2B5EF4-FFF2-40B4-BE49-F238E27FC236}">
-                <a16:creationId xmlns:a16="http://schemas.microsoft.com/office/drawing/2014/main" id="{18BD9E1B-988E-303E-48DE-6D9D0DCDAFDD}"/>
+                <a16:creationId xmlns:a16="http://schemas.microsoft.com/office/drawing/2014/main" id="{A8A931E1-8EFA-2337-A9A1-AD51900E6DE7}"/>
               </a:ext>
             </a:extLst>
           </p:cNvPr>
@@ -1185,7 +1185,7 @@
           <a:bodyPr/>
           <a:lstStyle/>
           <a:p>
-            <a:fld id="{1B003BD6-45D4-4D1C-B2D2-47760F84C44C}" type="slidenum">
+            <a:fld id="{F66C5455-07C7-470D-AE73-C61348492155}" type="slidenum">
               <a:rPr lang="zh-CN" altLang="en-US" smtClean="0"/>
               <a:t>‹#›</a:t>
             </a:fld>
@@ -1196,7 +1196,7 @@
     </p:spTree>
     <p:extLst>
       <p:ext uri="{BB962C8B-B14F-4D97-AF65-F5344CB8AC3E}">
-        <p14:creationId xmlns:p14="http://schemas.microsoft.com/office/powerpoint/2010/main" val="2524527707"/>
+        <p14:creationId xmlns:p14="http://schemas.microsoft.com/office/powerpoint/2010/main" val="419866451"/>
       </p:ext>
     </p:extLst>
   </p:cSld>
@@ -1228,7 +1228,7 @@
           <p:cNvPr id="2" name="标题 1">
             <a:extLst>
               <a:ext uri="{FF2B5EF4-FFF2-40B4-BE49-F238E27FC236}">
-                <a16:creationId xmlns:a16="http://schemas.microsoft.com/office/drawing/2014/main" id="{EE852020-37B4-9C6B-C5AB-A44D0EB2D1B3}"/>
+                <a16:creationId xmlns:a16="http://schemas.microsoft.com/office/drawing/2014/main" id="{AADB8FC2-7F83-210C-D64A-93AC8488D500}"/>
               </a:ext>
             </a:extLst>
           </p:cNvPr>
@@ -1256,7 +1256,7 @@
           <p:cNvPr id="3" name="内容占位符 2">
             <a:extLst>
               <a:ext uri="{FF2B5EF4-FFF2-40B4-BE49-F238E27FC236}">
-                <a16:creationId xmlns:a16="http://schemas.microsoft.com/office/drawing/2014/main" id="{37948DFD-8ACB-93B8-EAE3-9352560E618A}"/>
+                <a16:creationId xmlns:a16="http://schemas.microsoft.com/office/drawing/2014/main" id="{DE132122-EDC2-A22F-CC3B-EC9E40EFA2A4}"/>
               </a:ext>
             </a:extLst>
           </p:cNvPr>
@@ -1318,7 +1318,7 @@
           <p:cNvPr id="4" name="内容占位符 3">
             <a:extLst>
               <a:ext uri="{FF2B5EF4-FFF2-40B4-BE49-F238E27FC236}">
-                <a16:creationId xmlns:a16="http://schemas.microsoft.com/office/drawing/2014/main" id="{A504048A-D4CD-EACC-AA2D-C52EE8B1AF70}"/>
+                <a16:creationId xmlns:a16="http://schemas.microsoft.com/office/drawing/2014/main" id="{5CBC7189-8E4D-6B30-2AA5-ED4AA4F98569}"/>
               </a:ext>
             </a:extLst>
           </p:cNvPr>
@@ -1380,7 +1380,7 @@
           <p:cNvPr id="5" name="日期占位符 4">
             <a:extLst>
               <a:ext uri="{FF2B5EF4-FFF2-40B4-BE49-F238E27FC236}">
-                <a16:creationId xmlns:a16="http://schemas.microsoft.com/office/drawing/2014/main" id="{B0D43028-C7FD-D6D1-79BF-34DFD2CDD376}"/>
+                <a16:creationId xmlns:a16="http://schemas.microsoft.com/office/drawing/2014/main" id="{53EC9BCA-1C73-C88E-5352-5F5AE8237F2F}"/>
               </a:ext>
             </a:extLst>
           </p:cNvPr>
@@ -1396,7 +1396,7 @@
           <a:bodyPr/>
           <a:lstStyle/>
           <a:p>
-            <a:fld id="{A427A7A7-2262-4445-BB22-9CAA42F4506E}" type="datetimeFigureOut">
+            <a:fld id="{E8A70A5D-2F79-4C6F-B053-B5D598ACC42D}" type="datetimeFigureOut">
               <a:rPr lang="zh-CN" altLang="en-US" smtClean="0"/>
               <a:t>2024/3/10</a:t>
             </a:fld>
@@ -1409,7 +1409,7 @@
           <p:cNvPr id="6" name="页脚占位符 5">
             <a:extLst>
               <a:ext uri="{FF2B5EF4-FFF2-40B4-BE49-F238E27FC236}">
-                <a16:creationId xmlns:a16="http://schemas.microsoft.com/office/drawing/2014/main" id="{8875AD4E-F758-2D5D-0C0A-30E52D0C461B}"/>
+                <a16:creationId xmlns:a16="http://schemas.microsoft.com/office/drawing/2014/main" id="{E9C8EBD1-40AE-CD67-3FA4-14FDCE4766D5}"/>
               </a:ext>
             </a:extLst>
           </p:cNvPr>
@@ -1434,7 +1434,7 @@
           <p:cNvPr id="7" name="灯片编号占位符 6">
             <a:extLst>
               <a:ext uri="{FF2B5EF4-FFF2-40B4-BE49-F238E27FC236}">
-                <a16:creationId xmlns:a16="http://schemas.microsoft.com/office/drawing/2014/main" id="{D2F9488E-F936-A04D-2D36-95ED8FCC1678}"/>
+                <a16:creationId xmlns:a16="http://schemas.microsoft.com/office/drawing/2014/main" id="{73F89772-2856-11B6-BF6E-FC507D909516}"/>
               </a:ext>
             </a:extLst>
           </p:cNvPr>
@@ -1450,7 +1450,7 @@
           <a:bodyPr/>
           <a:lstStyle/>
           <a:p>
-            <a:fld id="{1B003BD6-45D4-4D1C-B2D2-47760F84C44C}" type="slidenum">
+            <a:fld id="{F66C5455-07C7-470D-AE73-C61348492155}" type="slidenum">
               <a:rPr lang="zh-CN" altLang="en-US" smtClean="0"/>
               <a:t>‹#›</a:t>
             </a:fld>
@@ -1461,7 +1461,7 @@
     </p:spTree>
     <p:extLst>
       <p:ext uri="{BB962C8B-B14F-4D97-AF65-F5344CB8AC3E}">
-        <p14:creationId xmlns:p14="http://schemas.microsoft.com/office/powerpoint/2010/main" val="585127212"/>
+        <p14:creationId xmlns:p14="http://schemas.microsoft.com/office/powerpoint/2010/main" val="2423438865"/>
       </p:ext>
     </p:extLst>
   </p:cSld>
@@ -1493,7 +1493,7 @@
           <p:cNvPr id="2" name="标题 1">
             <a:extLst>
               <a:ext uri="{FF2B5EF4-FFF2-40B4-BE49-F238E27FC236}">
-                <a16:creationId xmlns:a16="http://schemas.microsoft.com/office/drawing/2014/main" id="{82D77336-9761-65DB-D984-174D85E2BF99}"/>
+                <a16:creationId xmlns:a16="http://schemas.microsoft.com/office/drawing/2014/main" id="{E12C6BDD-B71C-014B-99CC-F3180D7A46AB}"/>
               </a:ext>
             </a:extLst>
           </p:cNvPr>
@@ -1526,7 +1526,7 @@
           <p:cNvPr id="3" name="文本占位符 2">
             <a:extLst>
               <a:ext uri="{FF2B5EF4-FFF2-40B4-BE49-F238E27FC236}">
-                <a16:creationId xmlns:a16="http://schemas.microsoft.com/office/drawing/2014/main" id="{C9DA7E3B-F04A-B07B-E013-58FD963FCCBE}"/>
+                <a16:creationId xmlns:a16="http://schemas.microsoft.com/office/drawing/2014/main" id="{D27EDCE0-A156-9E03-D97F-42EF095BEF57}"/>
               </a:ext>
             </a:extLst>
           </p:cNvPr>
@@ -1597,7 +1597,7 @@
           <p:cNvPr id="4" name="内容占位符 3">
             <a:extLst>
               <a:ext uri="{FF2B5EF4-FFF2-40B4-BE49-F238E27FC236}">
-                <a16:creationId xmlns:a16="http://schemas.microsoft.com/office/drawing/2014/main" id="{C99FF6F3-8EC8-F277-7A83-95DCD4917305}"/>
+                <a16:creationId xmlns:a16="http://schemas.microsoft.com/office/drawing/2014/main" id="{76018D48-71EB-D2FD-ABFA-96FAC8BAE605}"/>
               </a:ext>
             </a:extLst>
           </p:cNvPr>
@@ -1659,7 +1659,7 @@
           <p:cNvPr id="5" name="文本占位符 4">
             <a:extLst>
               <a:ext uri="{FF2B5EF4-FFF2-40B4-BE49-F238E27FC236}">
-                <a16:creationId xmlns:a16="http://schemas.microsoft.com/office/drawing/2014/main" id="{946E1593-4401-402D-4FCB-A21462560F7D}"/>
+                <a16:creationId xmlns:a16="http://schemas.microsoft.com/office/drawing/2014/main" id="{4CF73771-DDF5-606B-39D2-7F488D773AD7}"/>
               </a:ext>
             </a:extLst>
           </p:cNvPr>
@@ -1730,7 +1730,7 @@
           <p:cNvPr id="6" name="内容占位符 5">
             <a:extLst>
               <a:ext uri="{FF2B5EF4-FFF2-40B4-BE49-F238E27FC236}">
-                <a16:creationId xmlns:a16="http://schemas.microsoft.com/office/drawing/2014/main" id="{09ED2395-6B10-E6F7-2644-40B080062CA2}"/>
+                <a16:creationId xmlns:a16="http://schemas.microsoft.com/office/drawing/2014/main" id="{31E9B9CF-AC32-6FFD-FC24-31999D101789}"/>
               </a:ext>
             </a:extLst>
           </p:cNvPr>
@@ -1792,7 +1792,7 @@
           <p:cNvPr id="7" name="日期占位符 6">
             <a:extLst>
               <a:ext uri="{FF2B5EF4-FFF2-40B4-BE49-F238E27FC236}">
-                <a16:creationId xmlns:a16="http://schemas.microsoft.com/office/drawing/2014/main" id="{73732B16-0CBA-C755-2795-B2004E19570A}"/>
+                <a16:creationId xmlns:a16="http://schemas.microsoft.com/office/drawing/2014/main" id="{1A3D6972-2D17-87CF-848A-2EF14E177331}"/>
               </a:ext>
             </a:extLst>
           </p:cNvPr>
@@ -1808,7 +1808,7 @@
           <a:bodyPr/>
           <a:lstStyle/>
           <a:p>
-            <a:fld id="{A427A7A7-2262-4445-BB22-9CAA42F4506E}" type="datetimeFigureOut">
+            <a:fld id="{E8A70A5D-2F79-4C6F-B053-B5D598ACC42D}" type="datetimeFigureOut">
               <a:rPr lang="zh-CN" altLang="en-US" smtClean="0"/>
               <a:t>2024/3/10</a:t>
             </a:fld>
@@ -1821,7 +1821,7 @@
           <p:cNvPr id="8" name="页脚占位符 7">
             <a:extLst>
               <a:ext uri="{FF2B5EF4-FFF2-40B4-BE49-F238E27FC236}">
-                <a16:creationId xmlns:a16="http://schemas.microsoft.com/office/drawing/2014/main" id="{152970E1-7726-5E8E-F8B1-4A8758B96C82}"/>
+                <a16:creationId xmlns:a16="http://schemas.microsoft.com/office/drawing/2014/main" id="{D82DCDB3-9F80-F3F7-B491-A96832FC82B6}"/>
               </a:ext>
             </a:extLst>
           </p:cNvPr>
@@ -1846,7 +1846,7 @@
           <p:cNvPr id="9" name="灯片编号占位符 8">
             <a:extLst>
               <a:ext uri="{FF2B5EF4-FFF2-40B4-BE49-F238E27FC236}">
-                <a16:creationId xmlns:a16="http://schemas.microsoft.com/office/drawing/2014/main" id="{A0FF605E-19AA-4C07-D1B3-AA14D4E96FC0}"/>
+                <a16:creationId xmlns:a16="http://schemas.microsoft.com/office/drawing/2014/main" id="{29F2AD6C-F69D-1D8F-A86C-CBFA831B5CCE}"/>
               </a:ext>
             </a:extLst>
           </p:cNvPr>
@@ -1862,7 +1862,7 @@
           <a:bodyPr/>
           <a:lstStyle/>
           <a:p>
-            <a:fld id="{1B003BD6-45D4-4D1C-B2D2-47760F84C44C}" type="slidenum">
+            <a:fld id="{F66C5455-07C7-470D-AE73-C61348492155}" type="slidenum">
               <a:rPr lang="zh-CN" altLang="en-US" smtClean="0"/>
               <a:t>‹#›</a:t>
             </a:fld>
@@ -1873,7 +1873,7 @@
     </p:spTree>
     <p:extLst>
       <p:ext uri="{BB962C8B-B14F-4D97-AF65-F5344CB8AC3E}">
-        <p14:creationId xmlns:p14="http://schemas.microsoft.com/office/powerpoint/2010/main" val="2606681809"/>
+        <p14:creationId xmlns:p14="http://schemas.microsoft.com/office/powerpoint/2010/main" val="3919776843"/>
       </p:ext>
     </p:extLst>
   </p:cSld>
@@ -1905,7 +1905,7 @@
           <p:cNvPr id="2" name="标题 1">
             <a:extLst>
               <a:ext uri="{FF2B5EF4-FFF2-40B4-BE49-F238E27FC236}">
-                <a16:creationId xmlns:a16="http://schemas.microsoft.com/office/drawing/2014/main" id="{B16A89E3-8FF5-CFAD-979F-895B066646F8}"/>
+                <a16:creationId xmlns:a16="http://schemas.microsoft.com/office/drawing/2014/main" id="{337B2F37-AE35-1A19-EF82-822BBDB1E6A0}"/>
               </a:ext>
             </a:extLst>
           </p:cNvPr>
@@ -1933,7 +1933,7 @@
           <p:cNvPr id="3" name="日期占位符 2">
             <a:extLst>
               <a:ext uri="{FF2B5EF4-FFF2-40B4-BE49-F238E27FC236}">
-                <a16:creationId xmlns:a16="http://schemas.microsoft.com/office/drawing/2014/main" id="{98DCE8A4-89DF-A743-FF25-C0E3885A7D8E}"/>
+                <a16:creationId xmlns:a16="http://schemas.microsoft.com/office/drawing/2014/main" id="{D6C983F6-15CF-12BD-AA1F-DF6CAFE01966}"/>
               </a:ext>
             </a:extLst>
           </p:cNvPr>
@@ -1949,7 +1949,7 @@
           <a:bodyPr/>
           <a:lstStyle/>
           <a:p>
-            <a:fld id="{A427A7A7-2262-4445-BB22-9CAA42F4506E}" type="datetimeFigureOut">
+            <a:fld id="{E8A70A5D-2F79-4C6F-B053-B5D598ACC42D}" type="datetimeFigureOut">
               <a:rPr lang="zh-CN" altLang="en-US" smtClean="0"/>
               <a:t>2024/3/10</a:t>
             </a:fld>
@@ -1962,7 +1962,7 @@
           <p:cNvPr id="4" name="页脚占位符 3">
             <a:extLst>
               <a:ext uri="{FF2B5EF4-FFF2-40B4-BE49-F238E27FC236}">
-                <a16:creationId xmlns:a16="http://schemas.microsoft.com/office/drawing/2014/main" id="{1E44C71D-3CB5-2980-38E9-324B00430164}"/>
+                <a16:creationId xmlns:a16="http://schemas.microsoft.com/office/drawing/2014/main" id="{C39701F4-4090-FBD7-D5E7-C26899B1BE2B}"/>
               </a:ext>
             </a:extLst>
           </p:cNvPr>
@@ -1987,7 +1987,7 @@
           <p:cNvPr id="5" name="灯片编号占位符 4">
             <a:extLst>
               <a:ext uri="{FF2B5EF4-FFF2-40B4-BE49-F238E27FC236}">
-                <a16:creationId xmlns:a16="http://schemas.microsoft.com/office/drawing/2014/main" id="{F8BB6227-45D8-864F-7C18-DA48B01E4EEF}"/>
+                <a16:creationId xmlns:a16="http://schemas.microsoft.com/office/drawing/2014/main" id="{52C2924D-D758-856F-C4C7-D7CC4E15853A}"/>
               </a:ext>
             </a:extLst>
           </p:cNvPr>
@@ -2003,7 +2003,7 @@
           <a:bodyPr/>
           <a:lstStyle/>
           <a:p>
-            <a:fld id="{1B003BD6-45D4-4D1C-B2D2-47760F84C44C}" type="slidenum">
+            <a:fld id="{F66C5455-07C7-470D-AE73-C61348492155}" type="slidenum">
               <a:rPr lang="zh-CN" altLang="en-US" smtClean="0"/>
               <a:t>‹#›</a:t>
             </a:fld>
@@ -2014,7 +2014,7 @@
     </p:spTree>
     <p:extLst>
       <p:ext uri="{BB962C8B-B14F-4D97-AF65-F5344CB8AC3E}">
-        <p14:creationId xmlns:p14="http://schemas.microsoft.com/office/powerpoint/2010/main" val="809050419"/>
+        <p14:creationId xmlns:p14="http://schemas.microsoft.com/office/powerpoint/2010/main" val="2242033735"/>
       </p:ext>
     </p:extLst>
   </p:cSld>
@@ -2046,7 +2046,7 @@
           <p:cNvPr id="2" name="日期占位符 1">
             <a:extLst>
               <a:ext uri="{FF2B5EF4-FFF2-40B4-BE49-F238E27FC236}">
-                <a16:creationId xmlns:a16="http://schemas.microsoft.com/office/drawing/2014/main" id="{B24D7523-11D8-F09F-B927-9504986E81D0}"/>
+                <a16:creationId xmlns:a16="http://schemas.microsoft.com/office/drawing/2014/main" id="{FF8FC3A6-98E2-6B2B-8467-8419DC0CA5D8}"/>
               </a:ext>
             </a:extLst>
           </p:cNvPr>
@@ -2062,7 +2062,7 @@
           <a:bodyPr/>
           <a:lstStyle/>
           <a:p>
-            <a:fld id="{A427A7A7-2262-4445-BB22-9CAA42F4506E}" type="datetimeFigureOut">
+            <a:fld id="{E8A70A5D-2F79-4C6F-B053-B5D598ACC42D}" type="datetimeFigureOut">
               <a:rPr lang="zh-CN" altLang="en-US" smtClean="0"/>
               <a:t>2024/3/10</a:t>
             </a:fld>
@@ -2075,7 +2075,7 @@
           <p:cNvPr id="3" name="页脚占位符 2">
             <a:extLst>
               <a:ext uri="{FF2B5EF4-FFF2-40B4-BE49-F238E27FC236}">
-                <a16:creationId xmlns:a16="http://schemas.microsoft.com/office/drawing/2014/main" id="{8DA8CE9C-728D-E44E-9A76-61E5E8CF8633}"/>
+                <a16:creationId xmlns:a16="http://schemas.microsoft.com/office/drawing/2014/main" id="{4B6A7DCF-CF92-F8F4-56E7-FEC6A4BEC75B}"/>
               </a:ext>
             </a:extLst>
           </p:cNvPr>
@@ -2100,7 +2100,7 @@
           <p:cNvPr id="4" name="灯片编号占位符 3">
             <a:extLst>
               <a:ext uri="{FF2B5EF4-FFF2-40B4-BE49-F238E27FC236}">
-                <a16:creationId xmlns:a16="http://schemas.microsoft.com/office/drawing/2014/main" id="{E9F0AF39-2E8F-F8A7-80E3-1156C2D7A130}"/>
+                <a16:creationId xmlns:a16="http://schemas.microsoft.com/office/drawing/2014/main" id="{4EE17D32-4AA2-162A-1381-A785F3FA4808}"/>
               </a:ext>
             </a:extLst>
           </p:cNvPr>
@@ -2116,7 +2116,7 @@
           <a:bodyPr/>
           <a:lstStyle/>
           <a:p>
-            <a:fld id="{1B003BD6-45D4-4D1C-B2D2-47760F84C44C}" type="slidenum">
+            <a:fld id="{F66C5455-07C7-470D-AE73-C61348492155}" type="slidenum">
               <a:rPr lang="zh-CN" altLang="en-US" smtClean="0"/>
               <a:t>‹#›</a:t>
             </a:fld>
@@ -2127,7 +2127,7 @@
     </p:spTree>
     <p:extLst>
       <p:ext uri="{BB962C8B-B14F-4D97-AF65-F5344CB8AC3E}">
-        <p14:creationId xmlns:p14="http://schemas.microsoft.com/office/powerpoint/2010/main" val="3397726993"/>
+        <p14:creationId xmlns:p14="http://schemas.microsoft.com/office/powerpoint/2010/main" val="2930606932"/>
       </p:ext>
     </p:extLst>
   </p:cSld>
@@ -2159,7 +2159,7 @@
           <p:cNvPr id="2" name="标题 1">
             <a:extLst>
               <a:ext uri="{FF2B5EF4-FFF2-40B4-BE49-F238E27FC236}">
-                <a16:creationId xmlns:a16="http://schemas.microsoft.com/office/drawing/2014/main" id="{DAD72E94-DCE2-8A1A-8751-BD8806BE6BFE}"/>
+                <a16:creationId xmlns:a16="http://schemas.microsoft.com/office/drawing/2014/main" id="{2DDF6144-A382-C4A0-BEBD-8CC0A532675B}"/>
               </a:ext>
             </a:extLst>
           </p:cNvPr>
@@ -2196,7 +2196,7 @@
           <p:cNvPr id="3" name="内容占位符 2">
             <a:extLst>
               <a:ext uri="{FF2B5EF4-FFF2-40B4-BE49-F238E27FC236}">
-                <a16:creationId xmlns:a16="http://schemas.microsoft.com/office/drawing/2014/main" id="{DE4662CE-12E0-0CF3-B3DB-80C3B99EEE26}"/>
+                <a16:creationId xmlns:a16="http://schemas.microsoft.com/office/drawing/2014/main" id="{1A571E00-487B-7DC2-1A03-09FD227AE804}"/>
               </a:ext>
             </a:extLst>
           </p:cNvPr>
@@ -2286,7 +2286,7 @@
           <p:cNvPr id="4" name="文本占位符 3">
             <a:extLst>
               <a:ext uri="{FF2B5EF4-FFF2-40B4-BE49-F238E27FC236}">
-                <a16:creationId xmlns:a16="http://schemas.microsoft.com/office/drawing/2014/main" id="{0DFD0B39-A6BF-0448-CE94-88F6495A0F6C}"/>
+                <a16:creationId xmlns:a16="http://schemas.microsoft.com/office/drawing/2014/main" id="{3D22A17F-D027-4C2E-2C30-E07F7C996375}"/>
               </a:ext>
             </a:extLst>
           </p:cNvPr>
@@ -2357,7 +2357,7 @@
           <p:cNvPr id="5" name="日期占位符 4">
             <a:extLst>
               <a:ext uri="{FF2B5EF4-FFF2-40B4-BE49-F238E27FC236}">
-                <a16:creationId xmlns:a16="http://schemas.microsoft.com/office/drawing/2014/main" id="{2F959B93-DE47-91B4-289C-B8CAAF3AB427}"/>
+                <a16:creationId xmlns:a16="http://schemas.microsoft.com/office/drawing/2014/main" id="{73D473FD-2D4A-8500-62F3-38994A1EA1A3}"/>
               </a:ext>
             </a:extLst>
           </p:cNvPr>
@@ -2373,7 +2373,7 @@
           <a:bodyPr/>
           <a:lstStyle/>
           <a:p>
-            <a:fld id="{A427A7A7-2262-4445-BB22-9CAA42F4506E}" type="datetimeFigureOut">
+            <a:fld id="{E8A70A5D-2F79-4C6F-B053-B5D598ACC42D}" type="datetimeFigureOut">
               <a:rPr lang="zh-CN" altLang="en-US" smtClean="0"/>
               <a:t>2024/3/10</a:t>
             </a:fld>
@@ -2386,7 +2386,7 @@
           <p:cNvPr id="6" name="页脚占位符 5">
             <a:extLst>
               <a:ext uri="{FF2B5EF4-FFF2-40B4-BE49-F238E27FC236}">
-                <a16:creationId xmlns:a16="http://schemas.microsoft.com/office/drawing/2014/main" id="{758200DD-A63E-F64A-8B9C-BBBBA9CAD403}"/>
+                <a16:creationId xmlns:a16="http://schemas.microsoft.com/office/drawing/2014/main" id="{565F7153-6105-BB52-613D-EE2C5D49D4D7}"/>
               </a:ext>
             </a:extLst>
           </p:cNvPr>
@@ -2411,7 +2411,7 @@
           <p:cNvPr id="7" name="灯片编号占位符 6">
             <a:extLst>
               <a:ext uri="{FF2B5EF4-FFF2-40B4-BE49-F238E27FC236}">
-                <a16:creationId xmlns:a16="http://schemas.microsoft.com/office/drawing/2014/main" id="{B6D7CB61-0CEA-313B-D0DE-6FBC70C63C13}"/>
+                <a16:creationId xmlns:a16="http://schemas.microsoft.com/office/drawing/2014/main" id="{0DF1CCFE-D8A7-E1EB-0D22-BAEE1E06FCCC}"/>
               </a:ext>
             </a:extLst>
           </p:cNvPr>
@@ -2427,7 +2427,7 @@
           <a:bodyPr/>
           <a:lstStyle/>
           <a:p>
-            <a:fld id="{1B003BD6-45D4-4D1C-B2D2-47760F84C44C}" type="slidenum">
+            <a:fld id="{F66C5455-07C7-470D-AE73-C61348492155}" type="slidenum">
               <a:rPr lang="zh-CN" altLang="en-US" smtClean="0"/>
               <a:t>‹#›</a:t>
             </a:fld>
@@ -2438,7 +2438,7 @@
     </p:spTree>
     <p:extLst>
       <p:ext uri="{BB962C8B-B14F-4D97-AF65-F5344CB8AC3E}">
-        <p14:creationId xmlns:p14="http://schemas.microsoft.com/office/powerpoint/2010/main" val="143622792"/>
+        <p14:creationId xmlns:p14="http://schemas.microsoft.com/office/powerpoint/2010/main" val="2867129510"/>
       </p:ext>
     </p:extLst>
   </p:cSld>
@@ -2470,7 +2470,7 @@
           <p:cNvPr id="2" name="标题 1">
             <a:extLst>
               <a:ext uri="{FF2B5EF4-FFF2-40B4-BE49-F238E27FC236}">
-                <a16:creationId xmlns:a16="http://schemas.microsoft.com/office/drawing/2014/main" id="{BEA43071-28C2-F461-E6D8-57BCEFB5EB2A}"/>
+                <a16:creationId xmlns:a16="http://schemas.microsoft.com/office/drawing/2014/main" id="{4DFB75E0-798E-23ED-D7A2-817D3A04C203}"/>
               </a:ext>
             </a:extLst>
           </p:cNvPr>
@@ -2507,7 +2507,7 @@
           <p:cNvPr id="3" name="图片占位符 2">
             <a:extLst>
               <a:ext uri="{FF2B5EF4-FFF2-40B4-BE49-F238E27FC236}">
-                <a16:creationId xmlns:a16="http://schemas.microsoft.com/office/drawing/2014/main" id="{C2AADEC8-FCAC-FE17-3973-643540169202}"/>
+                <a16:creationId xmlns:a16="http://schemas.microsoft.com/office/drawing/2014/main" id="{C93630F3-4922-123C-1D86-64A1D42E65DA}"/>
               </a:ext>
             </a:extLst>
           </p:cNvPr>
@@ -2574,7 +2574,7 @@
           <p:cNvPr id="4" name="文本占位符 3">
             <a:extLst>
               <a:ext uri="{FF2B5EF4-FFF2-40B4-BE49-F238E27FC236}">
-                <a16:creationId xmlns:a16="http://schemas.microsoft.com/office/drawing/2014/main" id="{AEDD9527-607E-DB16-781A-24AA3DCD990C}"/>
+                <a16:creationId xmlns:a16="http://schemas.microsoft.com/office/drawing/2014/main" id="{35BC282A-2F99-8595-EB98-070A7961CB58}"/>
               </a:ext>
             </a:extLst>
           </p:cNvPr>
@@ -2645,7 +2645,7 @@
           <p:cNvPr id="5" name="日期占位符 4">
             <a:extLst>
               <a:ext uri="{FF2B5EF4-FFF2-40B4-BE49-F238E27FC236}">
-                <a16:creationId xmlns:a16="http://schemas.microsoft.com/office/drawing/2014/main" id="{55039954-9685-7B8D-03E7-25B87441DB71}"/>
+                <a16:creationId xmlns:a16="http://schemas.microsoft.com/office/drawing/2014/main" id="{423BAFD6-9154-DBC0-E816-8F1FD070A169}"/>
               </a:ext>
             </a:extLst>
           </p:cNvPr>
@@ -2661,7 +2661,7 @@
           <a:bodyPr/>
           <a:lstStyle/>
           <a:p>
-            <a:fld id="{A427A7A7-2262-4445-BB22-9CAA42F4506E}" type="datetimeFigureOut">
+            <a:fld id="{E8A70A5D-2F79-4C6F-B053-B5D598ACC42D}" type="datetimeFigureOut">
               <a:rPr lang="zh-CN" altLang="en-US" smtClean="0"/>
               <a:t>2024/3/10</a:t>
             </a:fld>
@@ -2674,7 +2674,7 @@
           <p:cNvPr id="6" name="页脚占位符 5">
             <a:extLst>
               <a:ext uri="{FF2B5EF4-FFF2-40B4-BE49-F238E27FC236}">
-                <a16:creationId xmlns:a16="http://schemas.microsoft.com/office/drawing/2014/main" id="{42F62878-EBDA-1B48-F0B7-6DFAE6C7D7C1}"/>
+                <a16:creationId xmlns:a16="http://schemas.microsoft.com/office/drawing/2014/main" id="{A9D3FD00-A12A-7C89-B1A9-B0E94F94BFFD}"/>
               </a:ext>
             </a:extLst>
           </p:cNvPr>
@@ -2699,7 +2699,7 @@
           <p:cNvPr id="7" name="灯片编号占位符 6">
             <a:extLst>
               <a:ext uri="{FF2B5EF4-FFF2-40B4-BE49-F238E27FC236}">
-                <a16:creationId xmlns:a16="http://schemas.microsoft.com/office/drawing/2014/main" id="{899DFA0D-FD41-9B81-D54E-DC26058D91AC}"/>
+                <a16:creationId xmlns:a16="http://schemas.microsoft.com/office/drawing/2014/main" id="{F795952C-4434-9052-0561-034FCDEDA08E}"/>
               </a:ext>
             </a:extLst>
           </p:cNvPr>
@@ -2715,7 +2715,7 @@
           <a:bodyPr/>
           <a:lstStyle/>
           <a:p>
-            <a:fld id="{1B003BD6-45D4-4D1C-B2D2-47760F84C44C}" type="slidenum">
+            <a:fld id="{F66C5455-07C7-470D-AE73-C61348492155}" type="slidenum">
               <a:rPr lang="zh-CN" altLang="en-US" smtClean="0"/>
               <a:t>‹#›</a:t>
             </a:fld>
@@ -2726,7 +2726,7 @@
     </p:spTree>
     <p:extLst>
       <p:ext uri="{BB962C8B-B14F-4D97-AF65-F5344CB8AC3E}">
-        <p14:creationId xmlns:p14="http://schemas.microsoft.com/office/powerpoint/2010/main" val="228479932"/>
+        <p14:creationId xmlns:p14="http://schemas.microsoft.com/office/powerpoint/2010/main" val="863669832"/>
       </p:ext>
     </p:extLst>
   </p:cSld>
@@ -2763,7 +2763,7 @@
           <p:cNvPr id="2" name="标题占位符 1">
             <a:extLst>
               <a:ext uri="{FF2B5EF4-FFF2-40B4-BE49-F238E27FC236}">
-                <a16:creationId xmlns:a16="http://schemas.microsoft.com/office/drawing/2014/main" id="{76A07711-199F-EBD7-207F-8B679AD3AF31}"/>
+                <a16:creationId xmlns:a16="http://schemas.microsoft.com/office/drawing/2014/main" id="{3BD5645B-5C97-FAF2-EDB6-9361B2F8E7B1}"/>
               </a:ext>
             </a:extLst>
           </p:cNvPr>
@@ -2801,7 +2801,7 @@
           <p:cNvPr id="3" name="文本占位符 2">
             <a:extLst>
               <a:ext uri="{FF2B5EF4-FFF2-40B4-BE49-F238E27FC236}">
-                <a16:creationId xmlns:a16="http://schemas.microsoft.com/office/drawing/2014/main" id="{115C0412-A990-9FED-9641-AC9C985EBA69}"/>
+                <a16:creationId xmlns:a16="http://schemas.microsoft.com/office/drawing/2014/main" id="{9FBB0C9C-0D96-9B68-9D40-0EE638097D1A}"/>
               </a:ext>
             </a:extLst>
           </p:cNvPr>
@@ -2868,7 +2868,7 @@
           <p:cNvPr id="4" name="日期占位符 3">
             <a:extLst>
               <a:ext uri="{FF2B5EF4-FFF2-40B4-BE49-F238E27FC236}">
-                <a16:creationId xmlns:a16="http://schemas.microsoft.com/office/drawing/2014/main" id="{F9718F18-05DF-3B37-43D6-2209C4270456}"/>
+                <a16:creationId xmlns:a16="http://schemas.microsoft.com/office/drawing/2014/main" id="{A46A0C48-EDD4-636D-554C-FC2C42A08C83}"/>
               </a:ext>
             </a:extLst>
           </p:cNvPr>
@@ -2902,7 +2902,7 @@
             </a:lvl1pPr>
           </a:lstStyle>
           <a:p>
-            <a:fld id="{A427A7A7-2262-4445-BB22-9CAA42F4506E}" type="datetimeFigureOut">
+            <a:fld id="{E8A70A5D-2F79-4C6F-B053-B5D598ACC42D}" type="datetimeFigureOut">
               <a:rPr lang="zh-CN" altLang="en-US" smtClean="0"/>
               <a:t>2024/3/10</a:t>
             </a:fld>
@@ -2915,7 +2915,7 @@
           <p:cNvPr id="5" name="页脚占位符 4">
             <a:extLst>
               <a:ext uri="{FF2B5EF4-FFF2-40B4-BE49-F238E27FC236}">
-                <a16:creationId xmlns:a16="http://schemas.microsoft.com/office/drawing/2014/main" id="{B14E1044-2B61-C39B-C191-001A027938D4}"/>
+                <a16:creationId xmlns:a16="http://schemas.microsoft.com/office/drawing/2014/main" id="{C4DEAC44-C999-6FCB-16D9-E2F5A04C53AA}"/>
               </a:ext>
             </a:extLst>
           </p:cNvPr>
@@ -2958,7 +2958,7 @@
           <p:cNvPr id="6" name="灯片编号占位符 5">
             <a:extLst>
               <a:ext uri="{FF2B5EF4-FFF2-40B4-BE49-F238E27FC236}">
-                <a16:creationId xmlns:a16="http://schemas.microsoft.com/office/drawing/2014/main" id="{E81C8FD2-808A-971B-A9E3-CE85A7C2F14D}"/>
+                <a16:creationId xmlns:a16="http://schemas.microsoft.com/office/drawing/2014/main" id="{1CF3DFFA-3DB9-F241-9A23-C39B8A513443}"/>
               </a:ext>
             </a:extLst>
           </p:cNvPr>
@@ -2992,7 +2992,7 @@
             </a:lvl1pPr>
           </a:lstStyle>
           <a:p>
-            <a:fld id="{1B003BD6-45D4-4D1C-B2D2-47760F84C44C}" type="slidenum">
+            <a:fld id="{F66C5455-07C7-470D-AE73-C61348492155}" type="slidenum">
               <a:rPr lang="zh-CN" altLang="en-US" smtClean="0"/>
               <a:t>‹#›</a:t>
             </a:fld>
@@ -3003,7 +3003,7 @@
     </p:spTree>
     <p:extLst>
       <p:ext uri="{BB962C8B-B14F-4D97-AF65-F5344CB8AC3E}">
-        <p14:creationId xmlns:p14="http://schemas.microsoft.com/office/powerpoint/2010/main" val="3166422629"/>
+        <p14:creationId xmlns:p14="http://schemas.microsoft.com/office/powerpoint/2010/main" val="3613933068"/>
       </p:ext>
     </p:extLst>
   </p:cSld>
